--- a/03_Analysis_and_design/EA-Conceptual Model/ePO - Simplified CM.pptx
+++ b/03_Analysis_and_design/EA-Conceptual Model/ePO - Simplified CM.pptx
@@ -6,8 +6,9 @@
   </p:sldMasterIdLst>
   <p:sldIdLst>
     <p:sldId id="256" r:id="rId2"/>
-    <p:sldId id="258" r:id="rId3"/>
-    <p:sldId id="257" r:id="rId4"/>
+    <p:sldId id="259" r:id="rId3"/>
+    <p:sldId id="258" r:id="rId4"/>
+    <p:sldId id="257" r:id="rId5"/>
   </p:sldIdLst>
   <p:sldSz cx="12192000" cy="6858000"/>
   <p:notesSz cx="6858000" cy="9144000"/>
@@ -106,6 +107,11 @@
       </a:defRPr>
     </a:lvl9pPr>
   </p:defaultTextStyle>
+  <p:extLst>
+    <p:ext uri="{EFAFB233-063F-42B5-8137-9DF3F51BA10A}">
+      <p15:sldGuideLst xmlns:p15="http://schemas.microsoft.com/office/powerpoint/2012/main"/>
+    </p:ext>
+  </p:extLst>
 </p:presentation>
 </file>
 
@@ -252,7 +258,7 @@
           <a:p>
             <a:fld id="{1F5A9AFE-9490-49E1-B673-A687FD6D310A}" type="datetimeFigureOut">
               <a:rPr lang="es-ES" smtClean="0"/>
-              <a:t>25/04/2018</a:t>
+              <a:t>26/04/2018</a:t>
             </a:fld>
             <a:endParaRPr lang="es-ES"/>
           </a:p>
@@ -422,7 +428,7 @@
           <a:p>
             <a:fld id="{1F5A9AFE-9490-49E1-B673-A687FD6D310A}" type="datetimeFigureOut">
               <a:rPr lang="es-ES" smtClean="0"/>
-              <a:t>25/04/2018</a:t>
+              <a:t>26/04/2018</a:t>
             </a:fld>
             <a:endParaRPr lang="es-ES"/>
           </a:p>
@@ -602,7 +608,7 @@
           <a:p>
             <a:fld id="{1F5A9AFE-9490-49E1-B673-A687FD6D310A}" type="datetimeFigureOut">
               <a:rPr lang="es-ES" smtClean="0"/>
-              <a:t>25/04/2018</a:t>
+              <a:t>26/04/2018</a:t>
             </a:fld>
             <a:endParaRPr lang="es-ES"/>
           </a:p>
@@ -772,7 +778,7 @@
           <a:p>
             <a:fld id="{1F5A9AFE-9490-49E1-B673-A687FD6D310A}" type="datetimeFigureOut">
               <a:rPr lang="es-ES" smtClean="0"/>
-              <a:t>25/04/2018</a:t>
+              <a:t>26/04/2018</a:t>
             </a:fld>
             <a:endParaRPr lang="es-ES"/>
           </a:p>
@@ -1018,7 +1024,7 @@
           <a:p>
             <a:fld id="{1F5A9AFE-9490-49E1-B673-A687FD6D310A}" type="datetimeFigureOut">
               <a:rPr lang="es-ES" smtClean="0"/>
-              <a:t>25/04/2018</a:t>
+              <a:t>26/04/2018</a:t>
             </a:fld>
             <a:endParaRPr lang="es-ES"/>
           </a:p>
@@ -1250,7 +1256,7 @@
           <a:p>
             <a:fld id="{1F5A9AFE-9490-49E1-B673-A687FD6D310A}" type="datetimeFigureOut">
               <a:rPr lang="es-ES" smtClean="0"/>
-              <a:t>25/04/2018</a:t>
+              <a:t>26/04/2018</a:t>
             </a:fld>
             <a:endParaRPr lang="es-ES"/>
           </a:p>
@@ -1617,7 +1623,7 @@
           <a:p>
             <a:fld id="{1F5A9AFE-9490-49E1-B673-A687FD6D310A}" type="datetimeFigureOut">
               <a:rPr lang="es-ES" smtClean="0"/>
-              <a:t>25/04/2018</a:t>
+              <a:t>26/04/2018</a:t>
             </a:fld>
             <a:endParaRPr lang="es-ES"/>
           </a:p>
@@ -1735,7 +1741,7 @@
           <a:p>
             <a:fld id="{1F5A9AFE-9490-49E1-B673-A687FD6D310A}" type="datetimeFigureOut">
               <a:rPr lang="es-ES" smtClean="0"/>
-              <a:t>25/04/2018</a:t>
+              <a:t>26/04/2018</a:t>
             </a:fld>
             <a:endParaRPr lang="es-ES"/>
           </a:p>
@@ -1830,7 +1836,7 @@
           <a:p>
             <a:fld id="{1F5A9AFE-9490-49E1-B673-A687FD6D310A}" type="datetimeFigureOut">
               <a:rPr lang="es-ES" smtClean="0"/>
-              <a:t>25/04/2018</a:t>
+              <a:t>26/04/2018</a:t>
             </a:fld>
             <a:endParaRPr lang="es-ES"/>
           </a:p>
@@ -2107,7 +2113,7 @@
           <a:p>
             <a:fld id="{1F5A9AFE-9490-49E1-B673-A687FD6D310A}" type="datetimeFigureOut">
               <a:rPr lang="es-ES" smtClean="0"/>
-              <a:t>25/04/2018</a:t>
+              <a:t>26/04/2018</a:t>
             </a:fld>
             <a:endParaRPr lang="es-ES"/>
           </a:p>
@@ -2360,7 +2366,7 @@
           <a:p>
             <a:fld id="{1F5A9AFE-9490-49E1-B673-A687FD6D310A}" type="datetimeFigureOut">
               <a:rPr lang="es-ES" smtClean="0"/>
-              <a:t>25/04/2018</a:t>
+              <a:t>26/04/2018</a:t>
             </a:fld>
             <a:endParaRPr lang="es-ES"/>
           </a:p>
@@ -2573,7 +2579,7 @@
           <a:p>
             <a:fld id="{1F5A9AFE-9490-49E1-B673-A687FD6D310A}" type="datetimeFigureOut">
               <a:rPr lang="es-ES" smtClean="0"/>
-              <a:t>25/04/2018</a:t>
+              <a:t>26/04/2018</a:t>
             </a:fld>
             <a:endParaRPr lang="es-ES"/>
           </a:p>
@@ -3429,7 +3435,7 @@
         </p:nvCxnSpPr>
         <p:spPr>
           <a:xfrm rot="16200000" flipH="1">
-            <a:off x="2781426" y="5088425"/>
+            <a:off x="2794305" y="5088425"/>
             <a:ext cx="1872000" cy="648000"/>
           </a:xfrm>
           <a:prstGeom prst="bentConnector2">
@@ -3625,11 +3631,32 @@
               <a:lnSpc>
                 <a:spcPct val="150000"/>
               </a:lnSpc>
+              <a:buFontTx/>
               <a:buAutoNum type="arabicPeriod"/>
             </a:pPr>
             <a:r>
+              <a:rPr lang="en-GB" sz="1100" dirty="0"/>
+              <a:t>A Procuring Entity may be either a Contracting Authority or </a:t>
+            </a:r>
+            <a:r>
               <a:rPr lang="en-GB" sz="1100" dirty="0" smtClean="0"/>
-              <a:t>In some Procurement Procedures, it can join other Procuring Entities (Joint Procurement). </a:t>
+              <a:t>a Contracting </a:t>
+            </a:r>
+            <a:r>
+              <a:rPr lang="en-GB" sz="1100" dirty="0"/>
+              <a:t>Entity (Procuring Entity Type code list).</a:t>
+            </a:r>
+          </a:p>
+          <a:p>
+            <a:pPr marL="228600" indent="-228600">
+              <a:lnSpc>
+                <a:spcPct val="150000"/>
+              </a:lnSpc>
+              <a:buAutoNum type="arabicPeriod"/>
+            </a:pPr>
+            <a:r>
+              <a:rPr lang="en-GB" sz="1100" dirty="0" smtClean="0"/>
+              <a:t>In some Procurement Procedures, a Procuring Entity can join other Procuring Entities (Joint Procurement). </a:t>
             </a:r>
           </a:p>
           <a:p>
@@ -3642,7 +3669,7 @@
             </a:pPr>
             <a:r>
               <a:rPr lang="en-GB" sz="1100" dirty="0" smtClean="0"/>
-              <a:t>In these cases, the Procuring Entities may adopt different roles (Procuring Entity Role Type code list).</a:t>
+              <a:t>In these cases, the Procuring Entities may adopt different roles (Procuring Entity Role Type code list), e.g. Lead, Member of the group, Subcontractor.</a:t>
             </a:r>
           </a:p>
           <a:p>
@@ -3654,19 +3681,7 @@
             </a:pPr>
             <a:r>
               <a:rPr lang="en-GB" sz="1100" dirty="0" smtClean="0"/>
-              <a:t>A Procuring Entity may be either a Contracting Authority or Contracting Entity (Procuring Entity Type code list).</a:t>
-            </a:r>
-          </a:p>
-          <a:p>
-            <a:pPr marL="228600" indent="-228600">
-              <a:lnSpc>
-                <a:spcPct val="150000"/>
-              </a:lnSpc>
-              <a:buAutoNum type="arabicPeriod"/>
-            </a:pPr>
-            <a:r>
-              <a:rPr lang="en-GB" sz="1100" dirty="0" smtClean="0"/>
-              <a:t>Procuring Entities are in general responsible for the purchase, therefore they act as “Buyers”.</a:t>
+              <a:t>Procuring Entities are in general responsible for the management of purchase, in which case, they also act as “Buyers”.</a:t>
             </a:r>
           </a:p>
           <a:p>
@@ -3699,7 +3714,7 @@
             </a:pPr>
             <a:r>
               <a:rPr lang="en-GB" sz="1100" dirty="0" smtClean="0"/>
-              <a:t>Both Procuring Entities and Buyers are “Organizations” appropriately identified and described (IDs, Names, Addresses, Contact Points, etc.).</a:t>
+              <a:t>Both Procuring Entities and Buyers are “Organizations”, appropriately identified and described (IDs, Names, Addresses, Contact Points, etc.).</a:t>
             </a:r>
             <a:endParaRPr lang="en-GB" sz="1100" dirty="0"/>
           </a:p>
@@ -3932,6 +3947,13 @@
   <p:clrMapOvr>
     <a:masterClrMapping/>
   </p:clrMapOvr>
+  <p:timing>
+    <p:tnLst>
+      <p:par>
+        <p:cTn id="1" dur="indefinite" restart="never" nodeType="tmRoot"/>
+      </p:par>
+    </p:tnLst>
+  </p:timing>
 </p:sld>
 </file>
 
@@ -3997,13 +4019,13 @@
       </p:sp>
       <p:sp>
         <p:nvSpPr>
-          <p:cNvPr id="5" name="Rectángulo redondeado 4"/>
+          <p:cNvPr id="9" name="Rectángulo redondeado 8"/>
           <p:cNvSpPr/>
           <p:nvPr/>
         </p:nvSpPr>
         <p:spPr>
           <a:xfrm>
-            <a:off x="4083567" y="3756469"/>
+            <a:off x="4715311" y="2556975"/>
             <a:ext cx="1120345" cy="683740"/>
           </a:xfrm>
           <a:prstGeom prst="roundRect">
@@ -4037,7 +4059,7 @@
                 <a:latin typeface="+mj-lt"/>
                 <a:cs typeface="Amiri Quran" panose="00000500000000000000" pitchFamily="2" charset="-78"/>
               </a:rPr>
-              <a:t>Economic Operator</a:t>
+              <a:t>Buyer</a:t>
             </a:r>
             <a:endParaRPr lang="en-GB" sz="1100" b="1" dirty="0">
               <a:latin typeface="+mj-lt"/>
@@ -4048,20 +4070,20 @@
       </p:sp>
       <p:sp>
         <p:nvSpPr>
-          <p:cNvPr id="9" name="Rectángulo redondeado 8"/>
+          <p:cNvPr id="30" name="Rectángulo redondeado 29"/>
           <p:cNvSpPr/>
           <p:nvPr/>
         </p:nvSpPr>
         <p:spPr>
           <a:xfrm>
-            <a:off x="8295163" y="3756469"/>
-            <a:ext cx="1120345" cy="683740"/>
+            <a:off x="6240160" y="3523198"/>
+            <a:ext cx="2109402" cy="425153"/>
           </a:xfrm>
           <a:prstGeom prst="roundRect">
             <a:avLst/>
           </a:prstGeom>
           <a:solidFill>
-            <a:srgbClr val="FBEDE2"/>
+            <a:srgbClr val="E8FDE3"/>
           </a:solidFill>
         </p:spPr>
         <p:style>
@@ -4082,15 +4104,21 @@
           <a:bodyPr rtlCol="0" anchor="ctr"/>
           <a:lstStyle/>
           <a:p>
-            <a:pPr algn="ctr"/>
-            <a:r>
-              <a:rPr lang="en-GB" sz="1100" dirty="0" smtClean="0">
+            <a:r>
+              <a:rPr lang="en-GB" sz="800" dirty="0" smtClean="0">
                 <a:latin typeface="+mj-lt"/>
                 <a:cs typeface="Amiri Quran" panose="00000500000000000000" pitchFamily="2" charset="-78"/>
               </a:rPr>
-              <a:t>Economic Operator Group</a:t>
-            </a:r>
-            <a:endParaRPr lang="en-GB" sz="1100" dirty="0">
+              <a:t>Buyer Role Type: </a:t>
+            </a:r>
+            <a:r>
+              <a:rPr lang="en-GB" sz="800" i="1" dirty="0" smtClean="0">
+                <a:latin typeface="+mj-lt"/>
+                <a:cs typeface="Amiri Quran" panose="00000500000000000000" pitchFamily="2" charset="-78"/>
+              </a:rPr>
+              <a:t>Central Purchasing Body, Buyer on behalf of other procuring entities, outsourced procuring party</a:t>
+            </a:r>
+            <a:endParaRPr lang="en-GB" sz="800" i="1" dirty="0">
               <a:latin typeface="+mj-lt"/>
               <a:cs typeface="Amiri Quran" panose="00000500000000000000" pitchFamily="2" charset="-78"/>
             </a:endParaRPr>
@@ -4099,19 +4127,19 @@
       </p:sp>
       <p:cxnSp>
         <p:nvCxnSpPr>
-          <p:cNvPr id="13" name="Conector recto de flecha 12"/>
+          <p:cNvPr id="31" name="Conector angular 30"/>
           <p:cNvCxnSpPr>
-            <a:stCxn id="9" idx="1"/>
-            <a:endCxn id="5" idx="3"/>
+            <a:stCxn id="9" idx="2"/>
+            <a:endCxn id="30" idx="1"/>
           </p:cNvCxnSpPr>
           <p:nvPr/>
         </p:nvCxnSpPr>
         <p:spPr>
-          <a:xfrm flipH="1">
-            <a:off x="5203912" y="4098339"/>
-            <a:ext cx="3091251" cy="0"/>
-          </a:xfrm>
-          <a:prstGeom prst="straightConnector1">
+          <a:xfrm rot="16200000" flipH="1">
+            <a:off x="5510292" y="3005907"/>
+            <a:ext cx="495060" cy="964676"/>
+          </a:xfrm>
+          <a:prstGeom prst="bentConnector2">
             <a:avLst/>
           </a:prstGeom>
           <a:ln>
@@ -4135,14 +4163,54 @@
       </p:cxnSp>
       <p:sp>
         <p:nvSpPr>
-          <p:cNvPr id="14" name="CuadroTexto 13"/>
+          <p:cNvPr id="36" name="CuadroTexto 35"/>
           <p:cNvSpPr txBox="1"/>
           <p:nvPr/>
         </p:nvSpPr>
         <p:spPr>
           <a:xfrm>
-            <a:off x="5912623" y="3712071"/>
-            <a:ext cx="1634703" cy="400110"/>
+            <a:off x="4955567" y="199984"/>
+            <a:ext cx="2429319" cy="369332"/>
+          </a:xfrm>
+          <a:prstGeom prst="rect">
+            <a:avLst/>
+          </a:prstGeom>
+          <a:solidFill>
+            <a:schemeClr val="bg1"/>
+          </a:solidFill>
+        </p:spPr>
+        <p:txBody>
+          <a:bodyPr wrap="none" rtlCol="0">
+            <a:spAutoFit/>
+          </a:bodyPr>
+          <a:lstStyle/>
+          <a:p>
+            <a:r>
+              <a:rPr lang="es-ES" dirty="0" err="1" smtClean="0"/>
+              <a:t>Procurement</a:t>
+            </a:r>
+            <a:r>
+              <a:rPr lang="es-ES" dirty="0" smtClean="0"/>
+              <a:t> </a:t>
+            </a:r>
+            <a:r>
+              <a:rPr lang="es-ES" dirty="0" err="1" smtClean="0"/>
+              <a:t>Procedure</a:t>
+            </a:r>
+            <a:endParaRPr lang="es-ES" dirty="0"/>
+          </a:p>
+        </p:txBody>
+      </p:sp>
+      <p:sp>
+        <p:nvSpPr>
+          <p:cNvPr id="37" name="CuadroTexto 36"/>
+          <p:cNvSpPr txBox="1"/>
+          <p:nvPr/>
+        </p:nvSpPr>
+        <p:spPr>
+          <a:xfrm>
+            <a:off x="1169772" y="650786"/>
+            <a:ext cx="10149017" cy="1361911"/>
           </a:xfrm>
           <a:prstGeom prst="rect">
             <a:avLst/>
@@ -4155,106 +4223,101 @@
           </a:bodyPr>
           <a:lstStyle/>
           <a:p>
-            <a:pPr algn="ctr"/>
-            <a:r>
-              <a:rPr lang="en-GB" sz="1000" i="1" dirty="0" smtClean="0">
-                <a:latin typeface="+mj-lt"/>
-              </a:rPr>
-              <a:t>Groups economic operators (is member of)</a:t>
-            </a:r>
-            <a:endParaRPr lang="en-GB" sz="1000" i="1" dirty="0">
-              <a:latin typeface="+mj-lt"/>
-            </a:endParaRPr>
-          </a:p>
-        </p:txBody>
-      </p:sp>
-      <p:cxnSp>
-        <p:nvCxnSpPr>
-          <p:cNvPr id="20" name="Conector curvado 19"/>
-          <p:cNvCxnSpPr/>
-          <p:nvPr/>
-        </p:nvCxnSpPr>
-        <p:spPr>
-          <a:xfrm flipH="1">
-            <a:off x="4643740" y="4180719"/>
-            <a:ext cx="560172" cy="341870"/>
-          </a:xfrm>
-          <a:prstGeom prst="curvedConnector4">
-            <a:avLst>
-              <a:gd name="adj1" fmla="val -68750"/>
-              <a:gd name="adj2" fmla="val 248796"/>
-            </a:avLst>
-          </a:prstGeom>
-          <a:ln>
-            <a:tailEnd type="triangle"/>
-          </a:ln>
-        </p:spPr>
-        <p:style>
-          <a:lnRef idx="1">
-            <a:schemeClr val="dk1"/>
-          </a:lnRef>
-          <a:fillRef idx="0">
-            <a:schemeClr val="dk1"/>
-          </a:fillRef>
-          <a:effectRef idx="0">
-            <a:schemeClr val="dk1"/>
-          </a:effectRef>
-          <a:fontRef idx="minor">
-            <a:schemeClr val="tx1"/>
-          </a:fontRef>
-        </p:style>
-      </p:cxnSp>
-      <p:sp>
-        <p:nvSpPr>
-          <p:cNvPr id="25" name="CuadroTexto 24"/>
-          <p:cNvSpPr txBox="1"/>
-          <p:nvPr/>
-        </p:nvSpPr>
-        <p:spPr>
-          <a:xfrm>
-            <a:off x="5351250" y="4611600"/>
-            <a:ext cx="1306727" cy="400110"/>
-          </a:xfrm>
-          <a:prstGeom prst="rect">
-            <a:avLst/>
-          </a:prstGeom>
-          <a:noFill/>
-        </p:spPr>
-        <p:txBody>
-          <a:bodyPr wrap="square" rtlCol="0">
-            <a:spAutoFit/>
-          </a:bodyPr>
-          <a:lstStyle/>
-          <a:p>
-            <a:pPr algn="ctr"/>
-            <a:r>
-              <a:rPr lang="en-GB" sz="1000" i="1" dirty="0" smtClean="0">
-                <a:latin typeface="+mj-lt"/>
-              </a:rPr>
-              <a:t>Subcontracts (subcontracted by)</a:t>
-            </a:r>
-            <a:endParaRPr lang="en-GB" sz="1000" i="1" dirty="0">
-              <a:latin typeface="+mj-lt"/>
-            </a:endParaRPr>
-          </a:p>
-        </p:txBody>
-      </p:sp>
-      <p:sp>
-        <p:nvSpPr>
-          <p:cNvPr id="26" name="Rectángulo redondeado 25"/>
+            <a:pPr marL="228600" indent="-228600">
+              <a:lnSpc>
+                <a:spcPct val="150000"/>
+              </a:lnSpc>
+              <a:buAutoNum type="arabicPeriod"/>
+            </a:pPr>
+            <a:r>
+              <a:rPr lang="en-GB" sz="1100" dirty="0" smtClean="0"/>
+              <a:t>In some Procurement Procedures, the Procuring Entity does not manage the purchase but relies on 3</a:t>
+            </a:r>
+            <a:r>
+              <a:rPr lang="en-GB" sz="1100" baseline="30000" dirty="0" smtClean="0"/>
+              <a:t>rd</a:t>
+            </a:r>
+            <a:r>
+              <a:rPr lang="en-GB" sz="1100" dirty="0" smtClean="0"/>
+              <a:t> parties, either public or private “Organizations</a:t>
+            </a:r>
+            <a:r>
+              <a:rPr lang="en-GB" sz="1100" dirty="0" smtClean="0"/>
+              <a:t>”.</a:t>
+            </a:r>
+          </a:p>
+          <a:p>
+            <a:pPr marL="228600" indent="-228600">
+              <a:lnSpc>
+                <a:spcPct val="150000"/>
+              </a:lnSpc>
+              <a:buAutoNum type="arabicPeriod"/>
+            </a:pPr>
+            <a:r>
+              <a:rPr lang="en-GB" sz="1100" dirty="0" smtClean="0"/>
+              <a:t>The Procuring Entity can </a:t>
+            </a:r>
+            <a:r>
+              <a:rPr lang="en-GB" sz="1100" dirty="0"/>
+              <a:t>rely on </a:t>
+            </a:r>
+            <a:r>
+              <a:rPr lang="en-GB" sz="1100" dirty="0" smtClean="0"/>
+              <a:t>or </a:t>
+            </a:r>
+            <a:r>
+              <a:rPr lang="en-GB" sz="1100" dirty="0"/>
+              <a:t>outsource the purchase on a 3</a:t>
+            </a:r>
+            <a:r>
+              <a:rPr lang="en-GB" sz="1100" baseline="30000" dirty="0"/>
+              <a:t>rd</a:t>
+            </a:r>
+            <a:r>
+              <a:rPr lang="en-GB" sz="1100" dirty="0"/>
+              <a:t> public or private Buyer (Buyer Role Type code list).</a:t>
+            </a:r>
+          </a:p>
+          <a:p>
+            <a:pPr marL="228600" indent="-228600">
+              <a:lnSpc>
+                <a:spcPct val="150000"/>
+              </a:lnSpc>
+              <a:buAutoNum type="arabicPeriod"/>
+            </a:pPr>
+            <a:r>
+              <a:rPr lang="en-GB" sz="1100" dirty="0" smtClean="0"/>
+              <a:t>The Buyer publishes information regarding the procurement process (Buyer Profile), the characteristics of the purchasing agency (Buyer Category Type) and the website where access to devices (Access Tool).</a:t>
+            </a:r>
+            <a:endParaRPr lang="en-GB" sz="1100" dirty="0" smtClean="0"/>
+          </a:p>
+          <a:p>
+            <a:pPr marL="228600" indent="-228600">
+              <a:lnSpc>
+                <a:spcPct val="150000"/>
+              </a:lnSpc>
+              <a:buAutoNum type="arabicPeriod"/>
+            </a:pPr>
+            <a:endParaRPr lang="en-GB" sz="1100" dirty="0"/>
+          </a:p>
+        </p:txBody>
+      </p:sp>
+      <p:sp>
+        <p:nvSpPr>
+          <p:cNvPr id="40" name="Rectángulo redondeado 39"/>
           <p:cNvSpPr/>
           <p:nvPr/>
         </p:nvSpPr>
         <p:spPr>
           <a:xfrm>
-            <a:off x="5184862" y="5283676"/>
-            <a:ext cx="2109402" cy="292442"/>
+            <a:off x="1943798" y="2556975"/>
+            <a:ext cx="1309822" cy="683740"/>
           </a:xfrm>
           <a:prstGeom prst="roundRect">
             <a:avLst/>
           </a:prstGeom>
           <a:solidFill>
-            <a:srgbClr val="E8FDE3"/>
+            <a:srgbClr val="FBEDE2"/>
           </a:solidFill>
         </p:spPr>
         <p:style>
@@ -4275,37 +4338,128 @@
           <a:bodyPr rtlCol="0" anchor="ctr"/>
           <a:lstStyle/>
           <a:p>
-            <a:r>
-              <a:rPr lang="en-GB" sz="800" dirty="0" smtClean="0">
+            <a:pPr algn="ctr"/>
+            <a:r>
+              <a:rPr lang="en-GB" sz="1100" dirty="0" smtClean="0">
                 <a:latin typeface="+mj-lt"/>
                 <a:cs typeface="Amiri Quran" panose="00000500000000000000" pitchFamily="2" charset="-78"/>
               </a:rPr>
-              <a:t>Economic Operator Role Type: </a:t>
-            </a:r>
-            <a:r>
-              <a:rPr lang="en-GB" sz="800" i="1" dirty="0" smtClean="0">
-                <a:latin typeface="+mj-lt"/>
-                <a:cs typeface="Amiri Quran" panose="00000500000000000000" pitchFamily="2" charset="-78"/>
-              </a:rPr>
-              <a:t>Sole Contractor, Lead Entity, Other Entity</a:t>
-            </a:r>
-            <a:endParaRPr lang="en-GB" sz="800" i="1" dirty="0">
+              <a:t>Organization</a:t>
+            </a:r>
+            <a:endParaRPr lang="en-GB" sz="1100" dirty="0">
               <a:latin typeface="+mj-lt"/>
               <a:cs typeface="Amiri Quran" panose="00000500000000000000" pitchFamily="2" charset="-78"/>
             </a:endParaRPr>
           </a:p>
         </p:txBody>
       </p:sp>
-      <p:sp>
-        <p:nvSpPr>
-          <p:cNvPr id="27" name="Rectángulo redondeado 26"/>
+      <p:cxnSp>
+        <p:nvCxnSpPr>
+          <p:cNvPr id="46" name="Conector angular 45"/>
+          <p:cNvCxnSpPr>
+            <a:stCxn id="9" idx="1"/>
+            <a:endCxn id="40" idx="3"/>
+          </p:cNvCxnSpPr>
+          <p:nvPr/>
+        </p:nvCxnSpPr>
+        <p:spPr>
+          <a:xfrm rot="10800000">
+            <a:off x="3253621" y="2911545"/>
+            <a:ext cx="1461691" cy="0"/>
+          </a:xfrm>
+          <a:prstGeom prst="bentConnector3">
+            <a:avLst>
+              <a:gd name="adj1" fmla="val 50000"/>
+            </a:avLst>
+          </a:prstGeom>
+          <a:ln>
+            <a:tailEnd type="triangle"/>
+          </a:ln>
+        </p:spPr>
+        <p:style>
+          <a:lnRef idx="1">
+            <a:schemeClr val="dk1"/>
+          </a:lnRef>
+          <a:fillRef idx="0">
+            <a:schemeClr val="dk1"/>
+          </a:fillRef>
+          <a:effectRef idx="0">
+            <a:schemeClr val="dk1"/>
+          </a:effectRef>
+          <a:fontRef idx="minor">
+            <a:schemeClr val="tx1"/>
+          </a:fontRef>
+        </p:style>
+      </p:cxnSp>
+      <p:sp>
+        <p:nvSpPr>
+          <p:cNvPr id="47" name="CuadroTexto 46"/>
+          <p:cNvSpPr txBox="1"/>
+          <p:nvPr/>
+        </p:nvSpPr>
+        <p:spPr>
+          <a:xfrm>
+            <a:off x="3756278" y="2905195"/>
+            <a:ext cx="1306727" cy="246221"/>
+          </a:xfrm>
+          <a:prstGeom prst="rect">
+            <a:avLst/>
+          </a:prstGeom>
+          <a:noFill/>
+        </p:spPr>
+        <p:txBody>
+          <a:bodyPr wrap="square" rtlCol="0">
+            <a:spAutoFit/>
+          </a:bodyPr>
+          <a:lstStyle/>
+          <a:p>
+            <a:pPr algn="ctr"/>
+            <a:r>
+              <a:rPr lang="en-GB" sz="1000" i="1" dirty="0" smtClean="0">
+                <a:latin typeface="+mj-lt"/>
+              </a:rPr>
+              <a:t>Is a</a:t>
+            </a:r>
+            <a:endParaRPr lang="en-GB" sz="1000" i="1" dirty="0">
+              <a:latin typeface="+mj-lt"/>
+            </a:endParaRPr>
+          </a:p>
+        </p:txBody>
+      </p:sp>
+      <p:pic>
+        <p:nvPicPr>
+          <p:cNvPr id="54" name="Imagen 53"/>
+          <p:cNvPicPr>
+            <a:picLocks noChangeAspect="1"/>
+          </p:cNvPicPr>
+          <p:nvPr/>
+        </p:nvPicPr>
+        <p:blipFill>
+          <a:blip r:embed="rId2"/>
+          <a:stretch>
+            <a:fillRect/>
+          </a:stretch>
+        </p:blipFill>
+        <p:spPr>
+          <a:xfrm>
+            <a:off x="787378" y="5802396"/>
+            <a:ext cx="987379" cy="799615"/>
+          </a:xfrm>
+          <a:prstGeom prst="rect">
+            <a:avLst/>
+          </a:prstGeom>
+        </p:spPr>
+      </p:pic>
+      <p:sp>
+        <p:nvSpPr>
+          <p:cNvPr id="32" name="Rectángulo redondeado 31"/>
           <p:cNvSpPr/>
           <p:nvPr/>
         </p:nvSpPr>
         <p:spPr>
           <a:xfrm>
-            <a:off x="5184862" y="5757354"/>
-            <a:ext cx="2090353" cy="292442"/>
+            <a:off x="6240160" y="4129587"/>
+            <a:ext cx="2109402" cy="425153"/>
           </a:xfrm>
           <a:prstGeom prst="roundRect">
             <a:avLst/>
@@ -4337,14 +4491,7 @@
                 <a:latin typeface="+mj-lt"/>
                 <a:cs typeface="Amiri Quran" panose="00000500000000000000" pitchFamily="2" charset="-78"/>
               </a:rPr>
-              <a:t>Economic Operator Classification Type: </a:t>
-            </a:r>
-            <a:r>
-              <a:rPr lang="en-GB" sz="800" i="1" dirty="0" smtClean="0">
-                <a:latin typeface="+mj-lt"/>
-                <a:cs typeface="Amiri Quran" panose="00000500000000000000" pitchFamily="2" charset="-78"/>
-              </a:rPr>
-              <a:t>Micro, Small, Medium, SME, Large</a:t>
+              <a:t>Buyer Category Type</a:t>
             </a:r>
             <a:endParaRPr lang="en-GB" sz="800" i="1" dirty="0">
               <a:latin typeface="+mj-lt"/>
@@ -4355,14 +4502,17 @@
       </p:sp>
       <p:cxnSp>
         <p:nvCxnSpPr>
-          <p:cNvPr id="28" name="Conector angular 27"/>
-          <p:cNvCxnSpPr/>
+          <p:cNvPr id="33" name="Conector angular 32"/>
+          <p:cNvCxnSpPr>
+            <a:stCxn id="9" idx="2"/>
+            <a:endCxn id="32" idx="1"/>
+          </p:cNvCxnSpPr>
           <p:nvPr/>
         </p:nvCxnSpPr>
         <p:spPr>
           <a:xfrm rot="16200000" flipH="1">
-            <a:off x="4366410" y="4619904"/>
-            <a:ext cx="972000" cy="648000"/>
+            <a:off x="5207098" y="3309101"/>
+            <a:ext cx="1101449" cy="964676"/>
           </a:xfrm>
           <a:prstGeom prst="bentConnector2">
             <a:avLst/>
@@ -4386,55 +4536,22 @@
           </a:fontRef>
         </p:style>
       </p:cxnSp>
-      <p:cxnSp>
-        <p:nvCxnSpPr>
-          <p:cNvPr id="29" name="Conector angular 28"/>
-          <p:cNvCxnSpPr/>
-          <p:nvPr/>
-        </p:nvCxnSpPr>
-        <p:spPr>
-          <a:xfrm rot="16200000" flipH="1">
-            <a:off x="4138032" y="4859581"/>
-            <a:ext cx="1440000" cy="648000"/>
-          </a:xfrm>
-          <a:prstGeom prst="bentConnector2">
-            <a:avLst/>
-          </a:prstGeom>
-          <a:ln>
-            <a:tailEnd type="triangle"/>
-          </a:ln>
-        </p:spPr>
-        <p:style>
-          <a:lnRef idx="1">
-            <a:schemeClr val="dk1"/>
-          </a:lnRef>
-          <a:fillRef idx="0">
-            <a:schemeClr val="dk1"/>
-          </a:fillRef>
-          <a:effectRef idx="0">
-            <a:schemeClr val="dk1"/>
-          </a:effectRef>
-          <a:fontRef idx="minor">
-            <a:schemeClr val="tx1"/>
-          </a:fontRef>
-        </p:style>
-      </p:cxnSp>
-      <p:sp>
-        <p:nvSpPr>
-          <p:cNvPr id="30" name="Rectángulo redondeado 29"/>
+      <p:sp>
+        <p:nvSpPr>
+          <p:cNvPr id="34" name="Rectángulo redondeado 33"/>
           <p:cNvSpPr/>
           <p:nvPr/>
         </p:nvSpPr>
         <p:spPr>
           <a:xfrm>
-            <a:off x="9406750" y="5473149"/>
-            <a:ext cx="2109402" cy="425153"/>
+            <a:off x="6240160" y="4735976"/>
+            <a:ext cx="2109402" cy="445624"/>
           </a:xfrm>
           <a:prstGeom prst="roundRect">
             <a:avLst/>
           </a:prstGeom>
           <a:solidFill>
-            <a:srgbClr val="E8FDE3"/>
+            <a:srgbClr val="FBEDE2"/>
           </a:solidFill>
         </p:spPr>
         <p:style>
@@ -4455,222 +4572,31 @@
           <a:bodyPr rtlCol="0" anchor="ctr"/>
           <a:lstStyle/>
           <a:p>
-            <a:r>
-              <a:rPr lang="en-GB" sz="800" dirty="0" smtClean="0">
+            <a:pPr algn="ctr"/>
+            <a:r>
+              <a:rPr lang="en-GB" sz="1100" dirty="0" smtClean="0">
                 <a:latin typeface="+mj-lt"/>
                 <a:cs typeface="Amiri Quran" panose="00000500000000000000" pitchFamily="2" charset="-78"/>
               </a:rPr>
-              <a:t>Group Type: </a:t>
-            </a:r>
-            <a:r>
-              <a:rPr lang="en-GB" sz="800" i="1" dirty="0" smtClean="0">
-                <a:latin typeface="+mj-lt"/>
-                <a:cs typeface="Amiri Quran" panose="00000500000000000000" pitchFamily="2" charset="-78"/>
-              </a:rPr>
-              <a:t>Central Consortium, Joint venture, Undertaking</a:t>
-            </a:r>
-            <a:endParaRPr lang="en-GB" sz="800" i="1" dirty="0">
+              <a:t>Buyer Profile</a:t>
+            </a:r>
+            <a:endParaRPr lang="en-GB" sz="1100" dirty="0">
               <a:latin typeface="+mj-lt"/>
               <a:cs typeface="Amiri Quran" panose="00000500000000000000" pitchFamily="2" charset="-78"/>
             </a:endParaRPr>
           </a:p>
         </p:txBody>
       </p:sp>
-      <p:cxnSp>
-        <p:nvCxnSpPr>
-          <p:cNvPr id="31" name="Conector angular 30"/>
-          <p:cNvCxnSpPr>
-            <a:stCxn id="9" idx="2"/>
-            <a:endCxn id="30" idx="1"/>
-          </p:cNvCxnSpPr>
-          <p:nvPr/>
-        </p:nvCxnSpPr>
-        <p:spPr>
-          <a:xfrm rot="16200000" flipH="1">
-            <a:off x="8508285" y="4787260"/>
-            <a:ext cx="1245517" cy="551414"/>
-          </a:xfrm>
-          <a:prstGeom prst="bentConnector2">
-            <a:avLst/>
-          </a:prstGeom>
-          <a:ln>
-            <a:tailEnd type="triangle"/>
-          </a:ln>
-        </p:spPr>
-        <p:style>
-          <a:lnRef idx="1">
-            <a:schemeClr val="dk1"/>
-          </a:lnRef>
-          <a:fillRef idx="0">
-            <a:schemeClr val="dk1"/>
-          </a:fillRef>
-          <a:effectRef idx="0">
-            <a:schemeClr val="dk1"/>
-          </a:effectRef>
-          <a:fontRef idx="minor">
-            <a:schemeClr val="tx1"/>
-          </a:fontRef>
-        </p:style>
-      </p:cxnSp>
-      <p:sp>
-        <p:nvSpPr>
-          <p:cNvPr id="36" name="CuadroTexto 35"/>
-          <p:cNvSpPr txBox="1"/>
-          <p:nvPr/>
-        </p:nvSpPr>
-        <p:spPr>
-          <a:xfrm>
-            <a:off x="4955567" y="199984"/>
-            <a:ext cx="2429319" cy="369332"/>
-          </a:xfrm>
-          <a:prstGeom prst="rect">
-            <a:avLst/>
-          </a:prstGeom>
-          <a:solidFill>
-            <a:schemeClr val="bg1"/>
-          </a:solidFill>
-        </p:spPr>
-        <p:txBody>
-          <a:bodyPr wrap="none" rtlCol="0">
-            <a:spAutoFit/>
-          </a:bodyPr>
-          <a:lstStyle/>
-          <a:p>
-            <a:r>
-              <a:rPr lang="es-ES" dirty="0" err="1" smtClean="0"/>
-              <a:t>Procurement</a:t>
-            </a:r>
-            <a:r>
-              <a:rPr lang="es-ES" dirty="0" smtClean="0"/>
-              <a:t> </a:t>
-            </a:r>
-            <a:r>
-              <a:rPr lang="es-ES" dirty="0" err="1" smtClean="0"/>
-              <a:t>Procedure</a:t>
-            </a:r>
-            <a:endParaRPr lang="es-ES" dirty="0"/>
-          </a:p>
-        </p:txBody>
-      </p:sp>
-      <p:sp>
-        <p:nvSpPr>
-          <p:cNvPr id="37" name="CuadroTexto 36"/>
-          <p:cNvSpPr txBox="1"/>
-          <p:nvPr/>
-        </p:nvSpPr>
-        <p:spPr>
-          <a:xfrm>
-            <a:off x="1169772" y="650786"/>
-            <a:ext cx="10149017" cy="1615827"/>
-          </a:xfrm>
-          <a:prstGeom prst="rect">
-            <a:avLst/>
-          </a:prstGeom>
-          <a:noFill/>
-        </p:spPr>
-        <p:txBody>
-          <a:bodyPr wrap="square" rtlCol="0">
-            <a:spAutoFit/>
-          </a:bodyPr>
-          <a:lstStyle/>
-          <a:p>
-            <a:pPr marL="228600" indent="-228600">
-              <a:lnSpc>
-                <a:spcPct val="150000"/>
-              </a:lnSpc>
-              <a:buAutoNum type="arabicPeriod"/>
-            </a:pPr>
-            <a:r>
-              <a:rPr lang="en-GB" sz="1100" dirty="0"/>
-              <a:t>A</a:t>
-            </a:r>
-            <a:r>
-              <a:rPr lang="en-GB" sz="1100" dirty="0" smtClean="0"/>
-              <a:t>ny Procurement Procedure refers always to at least one Economic Operator.</a:t>
-            </a:r>
-          </a:p>
-          <a:p>
-            <a:pPr marL="228600" indent="-228600">
-              <a:lnSpc>
-                <a:spcPct val="150000"/>
-              </a:lnSpc>
-              <a:buAutoNum type="arabicPeriod"/>
-            </a:pPr>
-            <a:r>
-              <a:rPr lang="en-GB" sz="1100" dirty="0" smtClean="0"/>
-              <a:t>For some Procurement Procedures, Economic Operators form groups (Economic Operator Group), e.g. Consortia, Joint ventures, Undertaking (Group Type code list).</a:t>
-            </a:r>
-          </a:p>
-          <a:p>
-            <a:pPr marL="685800" lvl="1" indent="-228600">
-              <a:lnSpc>
-                <a:spcPct val="150000"/>
-              </a:lnSpc>
-              <a:buFont typeface="Arial" panose="020B0604020202020204" pitchFamily="34" charset="0"/>
-              <a:buChar char="•"/>
-            </a:pPr>
-            <a:r>
-              <a:rPr lang="en-GB" sz="1100" dirty="0" smtClean="0"/>
-              <a:t>In this case, the Economic Operators of the group play different roles (Economic Operator Role Type code list).</a:t>
-            </a:r>
-          </a:p>
-          <a:p>
-            <a:pPr marL="228600" indent="-228600">
-              <a:lnSpc>
-                <a:spcPct val="150000"/>
-              </a:lnSpc>
-              <a:buAutoNum type="arabicPeriod"/>
-            </a:pPr>
-            <a:r>
-              <a:rPr lang="en-GB" sz="1100" dirty="0" smtClean="0"/>
-              <a:t>One Economic Operator may rely on 3</a:t>
-            </a:r>
-            <a:r>
-              <a:rPr lang="en-GB" sz="1100" baseline="30000" dirty="0" smtClean="0"/>
-              <a:t>rd</a:t>
-            </a:r>
-            <a:r>
-              <a:rPr lang="en-GB" sz="1100" dirty="0" smtClean="0"/>
-              <a:t> parties; e.g. Economic Operator Subcontracts other Economic Operators.</a:t>
-            </a:r>
-          </a:p>
-          <a:p>
-            <a:pPr marL="228600" indent="-228600">
-              <a:lnSpc>
-                <a:spcPct val="150000"/>
-              </a:lnSpc>
-              <a:buAutoNum type="arabicPeriod"/>
-            </a:pPr>
-            <a:r>
-              <a:rPr lang="en-GB" sz="1100" dirty="0" smtClean="0"/>
-              <a:t>Economic Operators may be pre-qualified in a national Pre-Qualification System (PQS) “Organization”.</a:t>
-            </a:r>
-          </a:p>
-          <a:p>
-            <a:pPr marL="228600" indent="-228600">
-              <a:lnSpc>
-                <a:spcPct val="150000"/>
-              </a:lnSpc>
-              <a:buAutoNum type="arabicPeriod"/>
-            </a:pPr>
-            <a:r>
-              <a:rPr lang="en-GB" sz="1100" dirty="0" smtClean="0"/>
-              <a:t>When guarantees are required by the Procuring Entity, Economic Operators may have to provide Financial Account (e.g. a bank account).</a:t>
-            </a:r>
-            <a:endParaRPr lang="en-GB" sz="1100" dirty="0"/>
-          </a:p>
-        </p:txBody>
-      </p:sp>
-      <p:sp>
-        <p:nvSpPr>
-          <p:cNvPr id="40" name="Rectángulo redondeado 39"/>
+      <p:sp>
+        <p:nvSpPr>
+          <p:cNvPr id="35" name="Rectángulo redondeado 34"/>
           <p:cNvSpPr/>
           <p:nvPr/>
         </p:nvSpPr>
         <p:spPr>
           <a:xfrm>
-            <a:off x="6075064" y="2652881"/>
-            <a:ext cx="1309822" cy="683740"/>
+            <a:off x="6240160" y="5356772"/>
+            <a:ext cx="2109402" cy="445624"/>
           </a:xfrm>
           <a:prstGeom prst="roundRect">
             <a:avLst/>
@@ -4703,7 +4629,7 @@
                 <a:latin typeface="+mj-lt"/>
                 <a:cs typeface="Amiri Quran" panose="00000500000000000000" pitchFamily="2" charset="-78"/>
               </a:rPr>
-              <a:t>Registered Organization</a:t>
+              <a:t>Access Tool</a:t>
             </a:r>
             <a:endParaRPr lang="en-GB" sz="1100" dirty="0">
               <a:latin typeface="+mj-lt"/>
@@ -4714,17 +4640,17 @@
       </p:sp>
       <p:cxnSp>
         <p:nvCxnSpPr>
-          <p:cNvPr id="42" name="Conector angular 41"/>
+          <p:cNvPr id="38" name="Conector angular 37"/>
           <p:cNvCxnSpPr>
-            <a:stCxn id="5" idx="0"/>
-            <a:endCxn id="40" idx="1"/>
+            <a:stCxn id="9" idx="2"/>
+            <a:endCxn id="34" idx="1"/>
           </p:cNvCxnSpPr>
           <p:nvPr/>
         </p:nvCxnSpPr>
         <p:spPr>
-          <a:xfrm rot="5400000" flipH="1" flipV="1">
-            <a:off x="4978543" y="2659948"/>
-            <a:ext cx="761718" cy="1431324"/>
+          <a:xfrm rot="16200000" flipH="1">
+            <a:off x="4898786" y="3617413"/>
+            <a:ext cx="1718073" cy="964676"/>
           </a:xfrm>
           <a:prstGeom prst="bentConnector2">
             <a:avLst/>
@@ -4748,54 +4674,19 @@
           </a:fontRef>
         </p:style>
       </p:cxnSp>
-      <p:sp>
-        <p:nvSpPr>
-          <p:cNvPr id="45" name="CuadroTexto 44"/>
-          <p:cNvSpPr txBox="1"/>
-          <p:nvPr/>
-        </p:nvSpPr>
-        <p:spPr>
-          <a:xfrm>
-            <a:off x="4179954" y="3006279"/>
-            <a:ext cx="1306727" cy="246221"/>
-          </a:xfrm>
-          <a:prstGeom prst="rect">
-            <a:avLst/>
-          </a:prstGeom>
-          <a:noFill/>
-        </p:spPr>
-        <p:txBody>
-          <a:bodyPr wrap="square" rtlCol="0">
-            <a:spAutoFit/>
-          </a:bodyPr>
-          <a:lstStyle/>
-          <a:p>
-            <a:pPr algn="ctr"/>
-            <a:r>
-              <a:rPr lang="en-GB" sz="1000" i="1" dirty="0" smtClean="0">
-                <a:latin typeface="+mj-lt"/>
-              </a:rPr>
-              <a:t>Is a</a:t>
-            </a:r>
-            <a:endParaRPr lang="en-GB" sz="1000" i="1" dirty="0">
-              <a:latin typeface="+mj-lt"/>
-            </a:endParaRPr>
-          </a:p>
-        </p:txBody>
-      </p:sp>
       <p:cxnSp>
         <p:nvCxnSpPr>
-          <p:cNvPr id="46" name="Conector angular 45"/>
+          <p:cNvPr id="39" name="Conector angular 38"/>
           <p:cNvCxnSpPr>
-            <a:stCxn id="9" idx="0"/>
-            <a:endCxn id="40" idx="3"/>
+            <a:stCxn id="9" idx="2"/>
+            <a:endCxn id="35" idx="1"/>
           </p:cNvCxnSpPr>
           <p:nvPr/>
         </p:nvCxnSpPr>
         <p:spPr>
-          <a:xfrm rot="16200000" flipV="1">
-            <a:off x="7739252" y="2640385"/>
-            <a:ext cx="761718" cy="1470450"/>
+          <a:xfrm rot="16200000" flipH="1">
+            <a:off x="4588388" y="3927811"/>
+            <a:ext cx="2338869" cy="964676"/>
           </a:xfrm>
           <a:prstGeom prst="bentConnector2">
             <a:avLst/>
@@ -4819,58 +4710,60 @@
           </a:fontRef>
         </p:style>
       </p:cxnSp>
-      <p:sp>
-        <p:nvSpPr>
-          <p:cNvPr id="47" name="CuadroTexto 46"/>
-          <p:cNvSpPr txBox="1"/>
-          <p:nvPr/>
-        </p:nvSpPr>
-        <p:spPr>
-          <a:xfrm>
-            <a:off x="7973269" y="3003002"/>
-            <a:ext cx="1306727" cy="246221"/>
-          </a:xfrm>
-          <a:prstGeom prst="rect">
-            <a:avLst/>
+    </p:spTree>
+    <p:extLst>
+      <p:ext uri="{BB962C8B-B14F-4D97-AF65-F5344CB8AC3E}">
+        <p14:creationId xmlns:p14="http://schemas.microsoft.com/office/powerpoint/2010/main" val="1676707753"/>
+      </p:ext>
+    </p:extLst>
+  </p:cSld>
+  <p:clrMapOvr>
+    <a:masterClrMapping/>
+  </p:clrMapOvr>
+  <p:timing>
+    <p:tnLst>
+      <p:par>
+        <p:cTn id="1" dur="indefinite" restart="never" nodeType="tmRoot"/>
+      </p:par>
+    </p:tnLst>
+  </p:timing>
+</p:sld>
+</file>
+
+<file path=ppt/slides/slide3.xml><?xml version="1.0" encoding="utf-8"?>
+<p:sld xmlns:a="http://schemas.openxmlformats.org/drawingml/2006/main" xmlns:r="http://schemas.openxmlformats.org/officeDocument/2006/relationships" xmlns:p="http://schemas.openxmlformats.org/presentationml/2006/main">
+  <p:cSld>
+    <p:spTree>
+      <p:nvGrpSpPr>
+        <p:cNvPr id="1" name=""/>
+        <p:cNvGrpSpPr/>
+        <p:nvPr/>
+      </p:nvGrpSpPr>
+      <p:grpSpPr>
+        <a:xfrm>
+          <a:off x="0" y="0"/>
+          <a:ext cx="0" cy="0"/>
+          <a:chOff x="0" y="0"/>
+          <a:chExt cx="0" cy="0"/>
+        </a:xfrm>
+      </p:grpSpPr>
+      <p:sp>
+        <p:nvSpPr>
+          <p:cNvPr id="4" name="Rectángulo redondeado 3"/>
+          <p:cNvSpPr/>
+          <p:nvPr/>
+        </p:nvSpPr>
+        <p:spPr>
+          <a:xfrm>
+            <a:off x="700217" y="381220"/>
+            <a:ext cx="10989275" cy="6299665"/>
+          </a:xfrm>
+          <a:prstGeom prst="roundRect">
+            <a:avLst>
+              <a:gd name="adj" fmla="val 2283"/>
+            </a:avLst>
           </a:prstGeom>
           <a:noFill/>
-        </p:spPr>
-        <p:txBody>
-          <a:bodyPr wrap="square" rtlCol="0">
-            <a:spAutoFit/>
-          </a:bodyPr>
-          <a:lstStyle/>
-          <a:p>
-            <a:pPr algn="ctr"/>
-            <a:r>
-              <a:rPr lang="en-GB" sz="1000" i="1" dirty="0" smtClean="0">
-                <a:latin typeface="+mj-lt"/>
-              </a:rPr>
-              <a:t>Is a</a:t>
-            </a:r>
-            <a:endParaRPr lang="en-GB" sz="1000" i="1" dirty="0">
-              <a:latin typeface="+mj-lt"/>
-            </a:endParaRPr>
-          </a:p>
-        </p:txBody>
-      </p:sp>
-      <p:sp>
-        <p:nvSpPr>
-          <p:cNvPr id="34" name="Rectángulo redondeado 33"/>
-          <p:cNvSpPr/>
-          <p:nvPr/>
-        </p:nvSpPr>
-        <p:spPr>
-          <a:xfrm>
-            <a:off x="2297733" y="4838412"/>
-            <a:ext cx="1339209" cy="445264"/>
-          </a:xfrm>
-          <a:prstGeom prst="roundRect">
-            <a:avLst/>
-          </a:prstGeom>
-          <a:solidFill>
-            <a:srgbClr val="FBEDE2"/>
-          </a:solidFill>
         </p:spPr>
         <p:style>
           <a:lnRef idx="2">
@@ -4887,17 +4780,9 @@
           </a:fontRef>
         </p:style>
         <p:txBody>
-          <a:bodyPr rtlCol="0" anchor="ctr"/>
-          <a:lstStyle/>
-          <a:p>
-            <a:pPr algn="ctr"/>
-            <a:r>
-              <a:rPr lang="en-GB" sz="1100" dirty="0" smtClean="0">
-                <a:latin typeface="+mj-lt"/>
-                <a:cs typeface="Amiri Quran" panose="00000500000000000000" pitchFamily="2" charset="-78"/>
-              </a:rPr>
-              <a:t>Organization</a:t>
-            </a:r>
+          <a:bodyPr rtlCol="0" anchor="t"/>
+          <a:lstStyle/>
+          <a:p>
             <a:endParaRPr lang="en-GB" sz="1100" dirty="0">
               <a:latin typeface="+mj-lt"/>
               <a:cs typeface="Amiri Quran" panose="00000500000000000000" pitchFamily="2" charset="-78"/>
@@ -4907,14 +4792,14 @@
       </p:sp>
       <p:sp>
         <p:nvSpPr>
-          <p:cNvPr id="35" name="Rectángulo redondeado 34"/>
+          <p:cNvPr id="5" name="Rectángulo redondeado 4"/>
           <p:cNvSpPr/>
           <p:nvPr/>
         </p:nvSpPr>
         <p:spPr>
           <a:xfrm>
-            <a:off x="2297733" y="5534722"/>
-            <a:ext cx="1339209" cy="445264"/>
+            <a:off x="4083567" y="3756469"/>
+            <a:ext cx="1120345" cy="683740"/>
           </a:xfrm>
           <a:prstGeom prst="roundRect">
             <a:avLst/>
@@ -4943,6 +4828,919 @@
           <a:p>
             <a:pPr algn="ctr"/>
             <a:r>
+              <a:rPr lang="en-GB" sz="1100" b="1" dirty="0" smtClean="0">
+                <a:latin typeface="+mj-lt"/>
+                <a:cs typeface="Amiri Quran" panose="00000500000000000000" pitchFamily="2" charset="-78"/>
+              </a:rPr>
+              <a:t>Economic Operator</a:t>
+            </a:r>
+            <a:endParaRPr lang="en-GB" sz="1100" b="1" dirty="0">
+              <a:latin typeface="+mj-lt"/>
+              <a:cs typeface="Amiri Quran" panose="00000500000000000000" pitchFamily="2" charset="-78"/>
+            </a:endParaRPr>
+          </a:p>
+        </p:txBody>
+      </p:sp>
+      <p:sp>
+        <p:nvSpPr>
+          <p:cNvPr id="9" name="Rectángulo redondeado 8"/>
+          <p:cNvSpPr/>
+          <p:nvPr/>
+        </p:nvSpPr>
+        <p:spPr>
+          <a:xfrm>
+            <a:off x="8295163" y="3756469"/>
+            <a:ext cx="1120345" cy="683740"/>
+          </a:xfrm>
+          <a:prstGeom prst="roundRect">
+            <a:avLst/>
+          </a:prstGeom>
+          <a:solidFill>
+            <a:srgbClr val="FBEDE2"/>
+          </a:solidFill>
+        </p:spPr>
+        <p:style>
+          <a:lnRef idx="2">
+            <a:schemeClr val="accent5"/>
+          </a:lnRef>
+          <a:fillRef idx="1">
+            <a:schemeClr val="lt1"/>
+          </a:fillRef>
+          <a:effectRef idx="0">
+            <a:schemeClr val="accent5"/>
+          </a:effectRef>
+          <a:fontRef idx="minor">
+            <a:schemeClr val="dk1"/>
+          </a:fontRef>
+        </p:style>
+        <p:txBody>
+          <a:bodyPr rtlCol="0" anchor="ctr"/>
+          <a:lstStyle/>
+          <a:p>
+            <a:pPr algn="ctr"/>
+            <a:r>
+              <a:rPr lang="en-GB" sz="1100" dirty="0" smtClean="0">
+                <a:latin typeface="+mj-lt"/>
+                <a:cs typeface="Amiri Quran" panose="00000500000000000000" pitchFamily="2" charset="-78"/>
+              </a:rPr>
+              <a:t>Economic Operator Group</a:t>
+            </a:r>
+            <a:endParaRPr lang="en-GB" sz="1100" dirty="0">
+              <a:latin typeface="+mj-lt"/>
+              <a:cs typeface="Amiri Quran" panose="00000500000000000000" pitchFamily="2" charset="-78"/>
+            </a:endParaRPr>
+          </a:p>
+        </p:txBody>
+      </p:sp>
+      <p:cxnSp>
+        <p:nvCxnSpPr>
+          <p:cNvPr id="13" name="Conector recto de flecha 12"/>
+          <p:cNvCxnSpPr>
+            <a:stCxn id="9" idx="1"/>
+            <a:endCxn id="5" idx="3"/>
+          </p:cNvCxnSpPr>
+          <p:nvPr/>
+        </p:nvCxnSpPr>
+        <p:spPr>
+          <a:xfrm flipH="1">
+            <a:off x="5203912" y="4098339"/>
+            <a:ext cx="3091251" cy="0"/>
+          </a:xfrm>
+          <a:prstGeom prst="straightConnector1">
+            <a:avLst/>
+          </a:prstGeom>
+          <a:ln>
+            <a:tailEnd type="triangle"/>
+          </a:ln>
+        </p:spPr>
+        <p:style>
+          <a:lnRef idx="1">
+            <a:schemeClr val="dk1"/>
+          </a:lnRef>
+          <a:fillRef idx="0">
+            <a:schemeClr val="dk1"/>
+          </a:fillRef>
+          <a:effectRef idx="0">
+            <a:schemeClr val="dk1"/>
+          </a:effectRef>
+          <a:fontRef idx="minor">
+            <a:schemeClr val="tx1"/>
+          </a:fontRef>
+        </p:style>
+      </p:cxnSp>
+      <p:sp>
+        <p:nvSpPr>
+          <p:cNvPr id="14" name="CuadroTexto 13"/>
+          <p:cNvSpPr txBox="1"/>
+          <p:nvPr/>
+        </p:nvSpPr>
+        <p:spPr>
+          <a:xfrm>
+            <a:off x="5912623" y="3712071"/>
+            <a:ext cx="1634703" cy="400110"/>
+          </a:xfrm>
+          <a:prstGeom prst="rect">
+            <a:avLst/>
+          </a:prstGeom>
+          <a:noFill/>
+        </p:spPr>
+        <p:txBody>
+          <a:bodyPr wrap="square" rtlCol="0">
+            <a:spAutoFit/>
+          </a:bodyPr>
+          <a:lstStyle/>
+          <a:p>
+            <a:pPr algn="ctr"/>
+            <a:r>
+              <a:rPr lang="en-GB" sz="1000" i="1" dirty="0" smtClean="0">
+                <a:latin typeface="+mj-lt"/>
+              </a:rPr>
+              <a:t>Groups economic operators (is member of)</a:t>
+            </a:r>
+            <a:endParaRPr lang="en-GB" sz="1000" i="1" dirty="0">
+              <a:latin typeface="+mj-lt"/>
+            </a:endParaRPr>
+          </a:p>
+        </p:txBody>
+      </p:sp>
+      <p:cxnSp>
+        <p:nvCxnSpPr>
+          <p:cNvPr id="20" name="Conector curvado 19"/>
+          <p:cNvCxnSpPr/>
+          <p:nvPr/>
+        </p:nvCxnSpPr>
+        <p:spPr>
+          <a:xfrm flipH="1">
+            <a:off x="4643740" y="4180719"/>
+            <a:ext cx="560172" cy="341870"/>
+          </a:xfrm>
+          <a:prstGeom prst="curvedConnector4">
+            <a:avLst>
+              <a:gd name="adj1" fmla="val -68750"/>
+              <a:gd name="adj2" fmla="val 248796"/>
+            </a:avLst>
+          </a:prstGeom>
+          <a:ln>
+            <a:tailEnd type="triangle"/>
+          </a:ln>
+        </p:spPr>
+        <p:style>
+          <a:lnRef idx="1">
+            <a:schemeClr val="dk1"/>
+          </a:lnRef>
+          <a:fillRef idx="0">
+            <a:schemeClr val="dk1"/>
+          </a:fillRef>
+          <a:effectRef idx="0">
+            <a:schemeClr val="dk1"/>
+          </a:effectRef>
+          <a:fontRef idx="minor">
+            <a:schemeClr val="tx1"/>
+          </a:fontRef>
+        </p:style>
+      </p:cxnSp>
+      <p:sp>
+        <p:nvSpPr>
+          <p:cNvPr id="25" name="CuadroTexto 24"/>
+          <p:cNvSpPr txBox="1"/>
+          <p:nvPr/>
+        </p:nvSpPr>
+        <p:spPr>
+          <a:xfrm>
+            <a:off x="5351250" y="4611600"/>
+            <a:ext cx="1306727" cy="400110"/>
+          </a:xfrm>
+          <a:prstGeom prst="rect">
+            <a:avLst/>
+          </a:prstGeom>
+          <a:noFill/>
+        </p:spPr>
+        <p:txBody>
+          <a:bodyPr wrap="square" rtlCol="0">
+            <a:spAutoFit/>
+          </a:bodyPr>
+          <a:lstStyle/>
+          <a:p>
+            <a:pPr algn="ctr"/>
+            <a:r>
+              <a:rPr lang="en-GB" sz="1000" i="1" dirty="0" smtClean="0">
+                <a:latin typeface="+mj-lt"/>
+              </a:rPr>
+              <a:t>Subcontracts (subcontracted by)</a:t>
+            </a:r>
+            <a:endParaRPr lang="en-GB" sz="1000" i="1" dirty="0">
+              <a:latin typeface="+mj-lt"/>
+            </a:endParaRPr>
+          </a:p>
+        </p:txBody>
+      </p:sp>
+      <p:sp>
+        <p:nvSpPr>
+          <p:cNvPr id="26" name="Rectángulo redondeado 25"/>
+          <p:cNvSpPr/>
+          <p:nvPr/>
+        </p:nvSpPr>
+        <p:spPr>
+          <a:xfrm>
+            <a:off x="5184862" y="5283676"/>
+            <a:ext cx="2109402" cy="292442"/>
+          </a:xfrm>
+          <a:prstGeom prst="roundRect">
+            <a:avLst/>
+          </a:prstGeom>
+          <a:solidFill>
+            <a:srgbClr val="E8FDE3"/>
+          </a:solidFill>
+        </p:spPr>
+        <p:style>
+          <a:lnRef idx="2">
+            <a:schemeClr val="accent5"/>
+          </a:lnRef>
+          <a:fillRef idx="1">
+            <a:schemeClr val="lt1"/>
+          </a:fillRef>
+          <a:effectRef idx="0">
+            <a:schemeClr val="accent5"/>
+          </a:effectRef>
+          <a:fontRef idx="minor">
+            <a:schemeClr val="dk1"/>
+          </a:fontRef>
+        </p:style>
+        <p:txBody>
+          <a:bodyPr rtlCol="0" anchor="ctr"/>
+          <a:lstStyle/>
+          <a:p>
+            <a:r>
+              <a:rPr lang="en-GB" sz="800" dirty="0" smtClean="0">
+                <a:latin typeface="+mj-lt"/>
+                <a:cs typeface="Amiri Quran" panose="00000500000000000000" pitchFamily="2" charset="-78"/>
+              </a:rPr>
+              <a:t>Economic Operator Role Type: </a:t>
+            </a:r>
+            <a:r>
+              <a:rPr lang="en-GB" sz="800" i="1" dirty="0" smtClean="0">
+                <a:latin typeface="+mj-lt"/>
+                <a:cs typeface="Amiri Quran" panose="00000500000000000000" pitchFamily="2" charset="-78"/>
+              </a:rPr>
+              <a:t>Sole Contractor, Lead Entity, Other Entity</a:t>
+            </a:r>
+            <a:endParaRPr lang="en-GB" sz="800" i="1" dirty="0">
+              <a:latin typeface="+mj-lt"/>
+              <a:cs typeface="Amiri Quran" panose="00000500000000000000" pitchFamily="2" charset="-78"/>
+            </a:endParaRPr>
+          </a:p>
+        </p:txBody>
+      </p:sp>
+      <p:sp>
+        <p:nvSpPr>
+          <p:cNvPr id="27" name="Rectángulo redondeado 26"/>
+          <p:cNvSpPr/>
+          <p:nvPr/>
+        </p:nvSpPr>
+        <p:spPr>
+          <a:xfrm>
+            <a:off x="5184862" y="5757354"/>
+            <a:ext cx="2090353" cy="292442"/>
+          </a:xfrm>
+          <a:prstGeom prst="roundRect">
+            <a:avLst/>
+          </a:prstGeom>
+          <a:solidFill>
+            <a:srgbClr val="E8FDE3"/>
+          </a:solidFill>
+        </p:spPr>
+        <p:style>
+          <a:lnRef idx="2">
+            <a:schemeClr val="accent5"/>
+          </a:lnRef>
+          <a:fillRef idx="1">
+            <a:schemeClr val="lt1"/>
+          </a:fillRef>
+          <a:effectRef idx="0">
+            <a:schemeClr val="accent5"/>
+          </a:effectRef>
+          <a:fontRef idx="minor">
+            <a:schemeClr val="dk1"/>
+          </a:fontRef>
+        </p:style>
+        <p:txBody>
+          <a:bodyPr rtlCol="0" anchor="ctr"/>
+          <a:lstStyle/>
+          <a:p>
+            <a:r>
+              <a:rPr lang="en-GB" sz="800" dirty="0" smtClean="0">
+                <a:latin typeface="+mj-lt"/>
+                <a:cs typeface="Amiri Quran" panose="00000500000000000000" pitchFamily="2" charset="-78"/>
+              </a:rPr>
+              <a:t>Economic Operator Classification Type: </a:t>
+            </a:r>
+            <a:r>
+              <a:rPr lang="en-GB" sz="800" i="1" dirty="0" smtClean="0">
+                <a:latin typeface="+mj-lt"/>
+                <a:cs typeface="Amiri Quran" panose="00000500000000000000" pitchFamily="2" charset="-78"/>
+              </a:rPr>
+              <a:t>Micro, Small, Medium, SME, Large</a:t>
+            </a:r>
+            <a:endParaRPr lang="en-GB" sz="800" i="1" dirty="0">
+              <a:latin typeface="+mj-lt"/>
+              <a:cs typeface="Amiri Quran" panose="00000500000000000000" pitchFamily="2" charset="-78"/>
+            </a:endParaRPr>
+          </a:p>
+        </p:txBody>
+      </p:sp>
+      <p:cxnSp>
+        <p:nvCxnSpPr>
+          <p:cNvPr id="28" name="Conector angular 27"/>
+          <p:cNvCxnSpPr/>
+          <p:nvPr/>
+        </p:nvCxnSpPr>
+        <p:spPr>
+          <a:xfrm rot="16200000" flipH="1">
+            <a:off x="4366410" y="4619904"/>
+            <a:ext cx="972000" cy="648000"/>
+          </a:xfrm>
+          <a:prstGeom prst="bentConnector2">
+            <a:avLst/>
+          </a:prstGeom>
+          <a:ln>
+            <a:tailEnd type="triangle"/>
+          </a:ln>
+        </p:spPr>
+        <p:style>
+          <a:lnRef idx="1">
+            <a:schemeClr val="dk1"/>
+          </a:lnRef>
+          <a:fillRef idx="0">
+            <a:schemeClr val="dk1"/>
+          </a:fillRef>
+          <a:effectRef idx="0">
+            <a:schemeClr val="dk1"/>
+          </a:effectRef>
+          <a:fontRef idx="minor">
+            <a:schemeClr val="tx1"/>
+          </a:fontRef>
+        </p:style>
+      </p:cxnSp>
+      <p:cxnSp>
+        <p:nvCxnSpPr>
+          <p:cNvPr id="29" name="Conector angular 28"/>
+          <p:cNvCxnSpPr/>
+          <p:nvPr/>
+        </p:nvCxnSpPr>
+        <p:spPr>
+          <a:xfrm rot="16200000" flipH="1">
+            <a:off x="4138032" y="4859581"/>
+            <a:ext cx="1440000" cy="648000"/>
+          </a:xfrm>
+          <a:prstGeom prst="bentConnector2">
+            <a:avLst/>
+          </a:prstGeom>
+          <a:ln>
+            <a:tailEnd type="triangle"/>
+          </a:ln>
+        </p:spPr>
+        <p:style>
+          <a:lnRef idx="1">
+            <a:schemeClr val="dk1"/>
+          </a:lnRef>
+          <a:fillRef idx="0">
+            <a:schemeClr val="dk1"/>
+          </a:fillRef>
+          <a:effectRef idx="0">
+            <a:schemeClr val="dk1"/>
+          </a:effectRef>
+          <a:fontRef idx="minor">
+            <a:schemeClr val="tx1"/>
+          </a:fontRef>
+        </p:style>
+      </p:cxnSp>
+      <p:sp>
+        <p:nvSpPr>
+          <p:cNvPr id="30" name="Rectángulo redondeado 29"/>
+          <p:cNvSpPr/>
+          <p:nvPr/>
+        </p:nvSpPr>
+        <p:spPr>
+          <a:xfrm>
+            <a:off x="9406750" y="5473149"/>
+            <a:ext cx="2109402" cy="425153"/>
+          </a:xfrm>
+          <a:prstGeom prst="roundRect">
+            <a:avLst/>
+          </a:prstGeom>
+          <a:solidFill>
+            <a:srgbClr val="E8FDE3"/>
+          </a:solidFill>
+        </p:spPr>
+        <p:style>
+          <a:lnRef idx="2">
+            <a:schemeClr val="accent5"/>
+          </a:lnRef>
+          <a:fillRef idx="1">
+            <a:schemeClr val="lt1"/>
+          </a:fillRef>
+          <a:effectRef idx="0">
+            <a:schemeClr val="accent5"/>
+          </a:effectRef>
+          <a:fontRef idx="minor">
+            <a:schemeClr val="dk1"/>
+          </a:fontRef>
+        </p:style>
+        <p:txBody>
+          <a:bodyPr rtlCol="0" anchor="ctr"/>
+          <a:lstStyle/>
+          <a:p>
+            <a:r>
+              <a:rPr lang="en-GB" sz="800" dirty="0" smtClean="0">
+                <a:latin typeface="+mj-lt"/>
+                <a:cs typeface="Amiri Quran" panose="00000500000000000000" pitchFamily="2" charset="-78"/>
+              </a:rPr>
+              <a:t>Group Type: </a:t>
+            </a:r>
+            <a:r>
+              <a:rPr lang="en-GB" sz="800" i="1" dirty="0" smtClean="0">
+                <a:latin typeface="+mj-lt"/>
+                <a:cs typeface="Amiri Quran" panose="00000500000000000000" pitchFamily="2" charset="-78"/>
+              </a:rPr>
+              <a:t>Central Consortium, Joint venture, Undertaking</a:t>
+            </a:r>
+            <a:endParaRPr lang="en-GB" sz="800" i="1" dirty="0">
+              <a:latin typeface="+mj-lt"/>
+              <a:cs typeface="Amiri Quran" panose="00000500000000000000" pitchFamily="2" charset="-78"/>
+            </a:endParaRPr>
+          </a:p>
+        </p:txBody>
+      </p:sp>
+      <p:cxnSp>
+        <p:nvCxnSpPr>
+          <p:cNvPr id="31" name="Conector angular 30"/>
+          <p:cNvCxnSpPr>
+            <a:stCxn id="9" idx="2"/>
+            <a:endCxn id="30" idx="1"/>
+          </p:cNvCxnSpPr>
+          <p:nvPr/>
+        </p:nvCxnSpPr>
+        <p:spPr>
+          <a:xfrm rot="16200000" flipH="1">
+            <a:off x="8508285" y="4787260"/>
+            <a:ext cx="1245517" cy="551414"/>
+          </a:xfrm>
+          <a:prstGeom prst="bentConnector2">
+            <a:avLst/>
+          </a:prstGeom>
+          <a:ln>
+            <a:tailEnd type="triangle"/>
+          </a:ln>
+        </p:spPr>
+        <p:style>
+          <a:lnRef idx="1">
+            <a:schemeClr val="dk1"/>
+          </a:lnRef>
+          <a:fillRef idx="0">
+            <a:schemeClr val="dk1"/>
+          </a:fillRef>
+          <a:effectRef idx="0">
+            <a:schemeClr val="dk1"/>
+          </a:effectRef>
+          <a:fontRef idx="minor">
+            <a:schemeClr val="tx1"/>
+          </a:fontRef>
+        </p:style>
+      </p:cxnSp>
+      <p:sp>
+        <p:nvSpPr>
+          <p:cNvPr id="36" name="CuadroTexto 35"/>
+          <p:cNvSpPr txBox="1"/>
+          <p:nvPr/>
+        </p:nvSpPr>
+        <p:spPr>
+          <a:xfrm>
+            <a:off x="4955567" y="199984"/>
+            <a:ext cx="2429319" cy="369332"/>
+          </a:xfrm>
+          <a:prstGeom prst="rect">
+            <a:avLst/>
+          </a:prstGeom>
+          <a:solidFill>
+            <a:schemeClr val="bg1"/>
+          </a:solidFill>
+        </p:spPr>
+        <p:txBody>
+          <a:bodyPr wrap="none" rtlCol="0">
+            <a:spAutoFit/>
+          </a:bodyPr>
+          <a:lstStyle/>
+          <a:p>
+            <a:r>
+              <a:rPr lang="es-ES" dirty="0" err="1" smtClean="0"/>
+              <a:t>Procurement</a:t>
+            </a:r>
+            <a:r>
+              <a:rPr lang="es-ES" dirty="0" smtClean="0"/>
+              <a:t> </a:t>
+            </a:r>
+            <a:r>
+              <a:rPr lang="es-ES" dirty="0" err="1" smtClean="0"/>
+              <a:t>Procedure</a:t>
+            </a:r>
+            <a:endParaRPr lang="es-ES" dirty="0"/>
+          </a:p>
+        </p:txBody>
+      </p:sp>
+      <p:sp>
+        <p:nvSpPr>
+          <p:cNvPr id="37" name="CuadroTexto 36"/>
+          <p:cNvSpPr txBox="1"/>
+          <p:nvPr/>
+        </p:nvSpPr>
+        <p:spPr>
+          <a:xfrm>
+            <a:off x="1169772" y="650786"/>
+            <a:ext cx="10149017" cy="1869743"/>
+          </a:xfrm>
+          <a:prstGeom prst="rect">
+            <a:avLst/>
+          </a:prstGeom>
+          <a:noFill/>
+        </p:spPr>
+        <p:txBody>
+          <a:bodyPr wrap="square" rtlCol="0">
+            <a:spAutoFit/>
+          </a:bodyPr>
+          <a:lstStyle/>
+          <a:p>
+            <a:pPr marL="228600" indent="-228600">
+              <a:lnSpc>
+                <a:spcPct val="150000"/>
+              </a:lnSpc>
+              <a:buAutoNum type="arabicPeriod"/>
+            </a:pPr>
+            <a:r>
+              <a:rPr lang="en-GB" sz="1100" dirty="0"/>
+              <a:t>A</a:t>
+            </a:r>
+            <a:r>
+              <a:rPr lang="en-GB" sz="1100" dirty="0" smtClean="0"/>
+              <a:t>ny Procurement Procedure refers always to one Economic Operator (as Tenders, Winner of the contract, etc.) or to a group of Economic Operators (Economic Operator </a:t>
+            </a:r>
+            <a:r>
+              <a:rPr lang="en-GB" sz="1100" dirty="0"/>
+              <a:t>Group), e.g. Consortia, Joint ventures, Undertaking (Group Type code list</a:t>
+            </a:r>
+            <a:r>
+              <a:rPr lang="en-GB" sz="1100" dirty="0" smtClean="0"/>
+              <a:t>).</a:t>
+            </a:r>
+          </a:p>
+          <a:p>
+            <a:pPr marL="228600" indent="-228600">
+              <a:lnSpc>
+                <a:spcPct val="150000"/>
+              </a:lnSpc>
+              <a:buAutoNum type="arabicPeriod"/>
+            </a:pPr>
+            <a:r>
+              <a:rPr lang="en-GB" sz="1100" dirty="0" smtClean="0"/>
+              <a:t>When the Economic Operators are members of a group (Economic Operator Group), they play different roles in the Procurement Procedure, e.g. Consortia, Joint ventures, Undertaking (Group Type code list).</a:t>
+            </a:r>
+          </a:p>
+          <a:p>
+            <a:pPr marL="228600" indent="-228600">
+              <a:lnSpc>
+                <a:spcPct val="150000"/>
+              </a:lnSpc>
+              <a:buAutoNum type="arabicPeriod"/>
+            </a:pPr>
+            <a:r>
+              <a:rPr lang="en-GB" sz="1100" dirty="0" smtClean="0"/>
+              <a:t>One Economic Operator may rely on 3</a:t>
+            </a:r>
+            <a:r>
+              <a:rPr lang="en-GB" sz="1100" baseline="30000" dirty="0" smtClean="0"/>
+              <a:t>rd</a:t>
+            </a:r>
+            <a:r>
+              <a:rPr lang="en-GB" sz="1100" dirty="0" smtClean="0"/>
+              <a:t> parties; e.g. Economic Operator </a:t>
+            </a:r>
+            <a:r>
+              <a:rPr lang="en-GB" sz="1100" dirty="0"/>
+              <a:t>s</a:t>
+            </a:r>
+            <a:r>
+              <a:rPr lang="en-GB" sz="1100" dirty="0" smtClean="0"/>
+              <a:t>ubcontracts other Economic Operators.</a:t>
+            </a:r>
+          </a:p>
+          <a:p>
+            <a:pPr marL="228600" indent="-228600">
+              <a:lnSpc>
+                <a:spcPct val="150000"/>
+              </a:lnSpc>
+              <a:buAutoNum type="arabicPeriod"/>
+            </a:pPr>
+            <a:r>
+              <a:rPr lang="en-GB" sz="1100" dirty="0" smtClean="0"/>
+              <a:t>Economic Operators may be pre-qualified in a national Pre-Qualification System (PQS), which is an “Organization”.</a:t>
+            </a:r>
+          </a:p>
+          <a:p>
+            <a:pPr marL="228600" indent="-228600">
+              <a:lnSpc>
+                <a:spcPct val="150000"/>
+              </a:lnSpc>
+              <a:buAutoNum type="arabicPeriod"/>
+            </a:pPr>
+            <a:r>
+              <a:rPr lang="en-GB" sz="1100" dirty="0" smtClean="0"/>
+              <a:t>When guarantees are required by the Procuring Entity, Economic Operators may have to provide Financial Account (e.g. a bank account data).</a:t>
+            </a:r>
+            <a:endParaRPr lang="en-GB" sz="1100" dirty="0"/>
+          </a:p>
+        </p:txBody>
+      </p:sp>
+      <p:sp>
+        <p:nvSpPr>
+          <p:cNvPr id="40" name="Rectángulo redondeado 39"/>
+          <p:cNvSpPr/>
+          <p:nvPr/>
+        </p:nvSpPr>
+        <p:spPr>
+          <a:xfrm>
+            <a:off x="6075064" y="2652881"/>
+            <a:ext cx="1309822" cy="683740"/>
+          </a:xfrm>
+          <a:prstGeom prst="roundRect">
+            <a:avLst/>
+          </a:prstGeom>
+          <a:solidFill>
+            <a:srgbClr val="FBEDE2"/>
+          </a:solidFill>
+        </p:spPr>
+        <p:style>
+          <a:lnRef idx="2">
+            <a:schemeClr val="accent5"/>
+          </a:lnRef>
+          <a:fillRef idx="1">
+            <a:schemeClr val="lt1"/>
+          </a:fillRef>
+          <a:effectRef idx="0">
+            <a:schemeClr val="accent5"/>
+          </a:effectRef>
+          <a:fontRef idx="minor">
+            <a:schemeClr val="dk1"/>
+          </a:fontRef>
+        </p:style>
+        <p:txBody>
+          <a:bodyPr rtlCol="0" anchor="ctr"/>
+          <a:lstStyle/>
+          <a:p>
+            <a:pPr algn="ctr"/>
+            <a:r>
+              <a:rPr lang="en-GB" sz="1100" dirty="0" smtClean="0">
+                <a:latin typeface="+mj-lt"/>
+                <a:cs typeface="Amiri Quran" panose="00000500000000000000" pitchFamily="2" charset="-78"/>
+              </a:rPr>
+              <a:t>Registered Organization</a:t>
+            </a:r>
+            <a:endParaRPr lang="en-GB" sz="1100" dirty="0">
+              <a:latin typeface="+mj-lt"/>
+              <a:cs typeface="Amiri Quran" panose="00000500000000000000" pitchFamily="2" charset="-78"/>
+            </a:endParaRPr>
+          </a:p>
+        </p:txBody>
+      </p:sp>
+      <p:cxnSp>
+        <p:nvCxnSpPr>
+          <p:cNvPr id="42" name="Conector angular 41"/>
+          <p:cNvCxnSpPr>
+            <a:stCxn id="5" idx="0"/>
+            <a:endCxn id="40" idx="1"/>
+          </p:cNvCxnSpPr>
+          <p:nvPr/>
+        </p:nvCxnSpPr>
+        <p:spPr>
+          <a:xfrm rot="5400000" flipH="1" flipV="1">
+            <a:off x="4978543" y="2659948"/>
+            <a:ext cx="761718" cy="1431324"/>
+          </a:xfrm>
+          <a:prstGeom prst="bentConnector2">
+            <a:avLst/>
+          </a:prstGeom>
+          <a:ln>
+            <a:tailEnd type="triangle"/>
+          </a:ln>
+        </p:spPr>
+        <p:style>
+          <a:lnRef idx="1">
+            <a:schemeClr val="dk1"/>
+          </a:lnRef>
+          <a:fillRef idx="0">
+            <a:schemeClr val="dk1"/>
+          </a:fillRef>
+          <a:effectRef idx="0">
+            <a:schemeClr val="dk1"/>
+          </a:effectRef>
+          <a:fontRef idx="minor">
+            <a:schemeClr val="tx1"/>
+          </a:fontRef>
+        </p:style>
+      </p:cxnSp>
+      <p:sp>
+        <p:nvSpPr>
+          <p:cNvPr id="45" name="CuadroTexto 44"/>
+          <p:cNvSpPr txBox="1"/>
+          <p:nvPr/>
+        </p:nvSpPr>
+        <p:spPr>
+          <a:xfrm>
+            <a:off x="4179954" y="3006279"/>
+            <a:ext cx="1306727" cy="246221"/>
+          </a:xfrm>
+          <a:prstGeom prst="rect">
+            <a:avLst/>
+          </a:prstGeom>
+          <a:noFill/>
+        </p:spPr>
+        <p:txBody>
+          <a:bodyPr wrap="square" rtlCol="0">
+            <a:spAutoFit/>
+          </a:bodyPr>
+          <a:lstStyle/>
+          <a:p>
+            <a:pPr algn="ctr"/>
+            <a:r>
+              <a:rPr lang="en-GB" sz="1000" i="1" dirty="0" smtClean="0">
+                <a:latin typeface="+mj-lt"/>
+              </a:rPr>
+              <a:t>Is a</a:t>
+            </a:r>
+            <a:endParaRPr lang="en-GB" sz="1000" i="1" dirty="0">
+              <a:latin typeface="+mj-lt"/>
+            </a:endParaRPr>
+          </a:p>
+        </p:txBody>
+      </p:sp>
+      <p:cxnSp>
+        <p:nvCxnSpPr>
+          <p:cNvPr id="46" name="Conector angular 45"/>
+          <p:cNvCxnSpPr>
+            <a:stCxn id="9" idx="0"/>
+            <a:endCxn id="40" idx="3"/>
+          </p:cNvCxnSpPr>
+          <p:nvPr/>
+        </p:nvCxnSpPr>
+        <p:spPr>
+          <a:xfrm rot="16200000" flipV="1">
+            <a:off x="7739252" y="2640385"/>
+            <a:ext cx="761718" cy="1470450"/>
+          </a:xfrm>
+          <a:prstGeom prst="bentConnector2">
+            <a:avLst/>
+          </a:prstGeom>
+          <a:ln>
+            <a:tailEnd type="triangle"/>
+          </a:ln>
+        </p:spPr>
+        <p:style>
+          <a:lnRef idx="1">
+            <a:schemeClr val="dk1"/>
+          </a:lnRef>
+          <a:fillRef idx="0">
+            <a:schemeClr val="dk1"/>
+          </a:fillRef>
+          <a:effectRef idx="0">
+            <a:schemeClr val="dk1"/>
+          </a:effectRef>
+          <a:fontRef idx="minor">
+            <a:schemeClr val="tx1"/>
+          </a:fontRef>
+        </p:style>
+      </p:cxnSp>
+      <p:sp>
+        <p:nvSpPr>
+          <p:cNvPr id="47" name="CuadroTexto 46"/>
+          <p:cNvSpPr txBox="1"/>
+          <p:nvPr/>
+        </p:nvSpPr>
+        <p:spPr>
+          <a:xfrm>
+            <a:off x="7973269" y="3003002"/>
+            <a:ext cx="1306727" cy="246221"/>
+          </a:xfrm>
+          <a:prstGeom prst="rect">
+            <a:avLst/>
+          </a:prstGeom>
+          <a:noFill/>
+        </p:spPr>
+        <p:txBody>
+          <a:bodyPr wrap="square" rtlCol="0">
+            <a:spAutoFit/>
+          </a:bodyPr>
+          <a:lstStyle/>
+          <a:p>
+            <a:pPr algn="ctr"/>
+            <a:r>
+              <a:rPr lang="en-GB" sz="1000" i="1" dirty="0" smtClean="0">
+                <a:latin typeface="+mj-lt"/>
+              </a:rPr>
+              <a:t>Is a</a:t>
+            </a:r>
+            <a:endParaRPr lang="en-GB" sz="1000" i="1" dirty="0">
+              <a:latin typeface="+mj-lt"/>
+            </a:endParaRPr>
+          </a:p>
+        </p:txBody>
+      </p:sp>
+      <p:sp>
+        <p:nvSpPr>
+          <p:cNvPr id="34" name="Rectángulo redondeado 33"/>
+          <p:cNvSpPr/>
+          <p:nvPr/>
+        </p:nvSpPr>
+        <p:spPr>
+          <a:xfrm>
+            <a:off x="2297733" y="4838412"/>
+            <a:ext cx="1339209" cy="445264"/>
+          </a:xfrm>
+          <a:prstGeom prst="roundRect">
+            <a:avLst/>
+          </a:prstGeom>
+          <a:solidFill>
+            <a:srgbClr val="FBEDE2"/>
+          </a:solidFill>
+        </p:spPr>
+        <p:style>
+          <a:lnRef idx="2">
+            <a:schemeClr val="accent5"/>
+          </a:lnRef>
+          <a:fillRef idx="1">
+            <a:schemeClr val="lt1"/>
+          </a:fillRef>
+          <a:effectRef idx="0">
+            <a:schemeClr val="accent5"/>
+          </a:effectRef>
+          <a:fontRef idx="minor">
+            <a:schemeClr val="dk1"/>
+          </a:fontRef>
+        </p:style>
+        <p:txBody>
+          <a:bodyPr rtlCol="0" anchor="ctr"/>
+          <a:lstStyle/>
+          <a:p>
+            <a:pPr algn="ctr"/>
+            <a:r>
+              <a:rPr lang="en-GB" sz="1100" dirty="0" smtClean="0">
+                <a:latin typeface="+mj-lt"/>
+                <a:cs typeface="Amiri Quran" panose="00000500000000000000" pitchFamily="2" charset="-78"/>
+              </a:rPr>
+              <a:t>Organization</a:t>
+            </a:r>
+            <a:endParaRPr lang="en-GB" sz="1100" dirty="0">
+              <a:latin typeface="+mj-lt"/>
+              <a:cs typeface="Amiri Quran" panose="00000500000000000000" pitchFamily="2" charset="-78"/>
+            </a:endParaRPr>
+          </a:p>
+        </p:txBody>
+      </p:sp>
+      <p:sp>
+        <p:nvSpPr>
+          <p:cNvPr id="35" name="Rectángulo redondeado 34"/>
+          <p:cNvSpPr/>
+          <p:nvPr/>
+        </p:nvSpPr>
+        <p:spPr>
+          <a:xfrm>
+            <a:off x="2297733" y="5534722"/>
+            <a:ext cx="1339209" cy="445264"/>
+          </a:xfrm>
+          <a:prstGeom prst="roundRect">
+            <a:avLst/>
+          </a:prstGeom>
+          <a:solidFill>
+            <a:srgbClr val="FBEDE2"/>
+          </a:solidFill>
+        </p:spPr>
+        <p:style>
+          <a:lnRef idx="2">
+            <a:schemeClr val="accent5"/>
+          </a:lnRef>
+          <a:fillRef idx="1">
+            <a:schemeClr val="lt1"/>
+          </a:fillRef>
+          <a:effectRef idx="0">
+            <a:schemeClr val="accent5"/>
+          </a:effectRef>
+          <a:fontRef idx="minor">
+            <a:schemeClr val="dk1"/>
+          </a:fontRef>
+        </p:style>
+        <p:txBody>
+          <a:bodyPr rtlCol="0" anchor="ctr"/>
+          <a:lstStyle/>
+          <a:p>
+            <a:pPr algn="ctr"/>
+            <a:r>
               <a:rPr lang="en-GB" sz="1100" dirty="0" smtClean="0">
                 <a:latin typeface="+mj-lt"/>
                 <a:cs typeface="Amiri Quran" panose="00000500000000000000" pitchFamily="2" charset="-78"/>
@@ -5091,10 +5889,17 @@
   <p:clrMapOvr>
     <a:masterClrMapping/>
   </p:clrMapOvr>
+  <p:timing>
+    <p:tnLst>
+      <p:par>
+        <p:cTn id="1" dur="indefinite" restart="never" nodeType="tmRoot"/>
+      </p:par>
+    </p:tnLst>
+  </p:timing>
 </p:sld>
 </file>
 
-<file path=ppt/slides/slide3.xml><?xml version="1.0" encoding="utf-8"?>
+<file path=ppt/slides/slide4.xml><?xml version="1.0" encoding="utf-8"?>
 <p:sld xmlns:a="http://schemas.openxmlformats.org/drawingml/2006/main" xmlns:r="http://schemas.openxmlformats.org/officeDocument/2006/relationships" xmlns:p="http://schemas.openxmlformats.org/presentationml/2006/main">
   <p:cSld>
     <p:spTree>
@@ -5442,6 +6247,105 @@
               <a:t>(inverse of)</a:t>
             </a:r>
             <a:endParaRPr lang="en-GB" sz="600" dirty="0"/>
+          </a:p>
+        </p:txBody>
+      </p:sp>
+      <p:pic>
+        <p:nvPicPr>
+          <p:cNvPr id="11" name="Imagen 10"/>
+          <p:cNvPicPr>
+            <a:picLocks noChangeAspect="1"/>
+          </p:cNvPicPr>
+          <p:nvPr/>
+        </p:nvPicPr>
+        <p:blipFill rotWithShape="1">
+          <a:blip r:embed="rId2"/>
+          <a:srcRect l="6140" t="13272" r="6366" b="8599"/>
+          <a:stretch/>
+        </p:blipFill>
+        <p:spPr>
+          <a:xfrm>
+            <a:off x="4209535" y="2034746"/>
+            <a:ext cx="2817341" cy="2117124"/>
+          </a:xfrm>
+          <a:prstGeom prst="rect">
+            <a:avLst/>
+          </a:prstGeom>
+        </p:spPr>
+      </p:pic>
+      <p:pic>
+        <p:nvPicPr>
+          <p:cNvPr id="17" name="Imagen 16"/>
+          <p:cNvPicPr>
+            <a:picLocks/>
+          </p:cNvPicPr>
+          <p:nvPr/>
+        </p:nvPicPr>
+        <p:blipFill rotWithShape="1">
+          <a:blip r:embed="rId2"/>
+          <a:srcRect l="67156" t="59633" r="16982" b="36719"/>
+          <a:stretch/>
+        </p:blipFill>
+        <p:spPr>
+          <a:xfrm>
+            <a:off x="4498548" y="3645726"/>
+            <a:ext cx="49638" cy="144000"/>
+          </a:xfrm>
+          <a:prstGeom prst="rect">
+            <a:avLst/>
+          </a:prstGeom>
+        </p:spPr>
+      </p:pic>
+      <p:pic>
+        <p:nvPicPr>
+          <p:cNvPr id="18" name="Imagen 17"/>
+          <p:cNvPicPr>
+            <a:picLocks/>
+          </p:cNvPicPr>
+          <p:nvPr/>
+        </p:nvPicPr>
+        <p:blipFill rotWithShape="1">
+          <a:blip r:embed="rId2"/>
+          <a:srcRect l="67156" t="59633" r="16982" b="36719"/>
+          <a:stretch/>
+        </p:blipFill>
+        <p:spPr>
+          <a:xfrm>
+            <a:off x="4579506" y="3650486"/>
+            <a:ext cx="49638" cy="144000"/>
+          </a:xfrm>
+          <a:prstGeom prst="rect">
+            <a:avLst/>
+          </a:prstGeom>
+        </p:spPr>
+      </p:pic>
+      <p:sp>
+        <p:nvSpPr>
+          <p:cNvPr id="19" name="CuadroTexto 18"/>
+          <p:cNvSpPr txBox="1"/>
+          <p:nvPr/>
+        </p:nvSpPr>
+        <p:spPr>
+          <a:xfrm>
+            <a:off x="4406650" y="3341839"/>
+            <a:ext cx="301686" cy="200055"/>
+          </a:xfrm>
+          <a:prstGeom prst="rect">
+            <a:avLst/>
+          </a:prstGeom>
+          <a:noFill/>
+        </p:spPr>
+        <p:txBody>
+          <a:bodyPr wrap="none" rtlCol="0">
+            <a:spAutoFit/>
+          </a:bodyPr>
+          <a:lstStyle/>
+          <a:p>
+            <a:r>
+              <a:rPr lang="en-GB" sz="700" dirty="0" smtClean="0"/>
+              <a:t> (  )</a:t>
+            </a:r>
+            <a:endParaRPr lang="en-GB" sz="700" dirty="0"/>
           </a:p>
         </p:txBody>
       </p:sp>
